--- a/apresentacoes/03 - DIO - Trilha - Java Básico - Sintaxe - Introdução.pptx
+++ b/apresentacoes/03 - DIO - Trilha - Java Básico - Sintaxe - Introdução.pptx
@@ -5,7 +5,7 @@
     <p:sldMasterId id="2147483648" r:id="rId1"/>
   </p:sldMasterIdLst>
   <p:notesMasterIdLst>
-    <p:notesMasterId r:id="rId10"/>
+    <p:notesMasterId r:id="rId9"/>
   </p:notesMasterIdLst>
   <p:sldIdLst>
     <p:sldId id="276" r:id="rId2"/>
@@ -14,25 +14,24 @@
     <p:sldId id="278" r:id="rId5"/>
     <p:sldId id="279" r:id="rId6"/>
     <p:sldId id="266" r:id="rId7"/>
-    <p:sldId id="271" r:id="rId8"/>
-    <p:sldId id="272" r:id="rId9"/>
+    <p:sldId id="272" r:id="rId8"/>
   </p:sldIdLst>
   <p:sldSz cx="9144000" cy="5143500" type="screen16x9"/>
   <p:notesSz cx="6858000" cy="9144000"/>
   <p:embeddedFontLst>
     <p:embeddedFont>
       <p:font typeface="Calibri" panose="020F0502020204030204" pitchFamily="34" charset="0"/>
-      <p:regular r:id="rId11"/>
-      <p:bold r:id="rId12"/>
-      <p:italic r:id="rId13"/>
-      <p:boldItalic r:id="rId14"/>
+      <p:regular r:id="rId10"/>
+      <p:bold r:id="rId11"/>
+      <p:italic r:id="rId12"/>
+      <p:boldItalic r:id="rId13"/>
     </p:embeddedFont>
     <p:embeddedFont>
       <p:font typeface="Century Gothic" panose="020B0502020202020204" pitchFamily="34" charset="0"/>
-      <p:regular r:id="rId15"/>
-      <p:bold r:id="rId16"/>
-      <p:italic r:id="rId17"/>
-      <p:boldItalic r:id="rId18"/>
+      <p:regular r:id="rId14"/>
+      <p:bold r:id="rId15"/>
+      <p:italic r:id="rId16"/>
+      <p:boldItalic r:id="rId17"/>
     </p:embeddedFont>
   </p:embeddedFontLst>
   <p:defaultTextStyle>
@@ -280,7 +279,7 @@
       </p15:sldGuideLst>
     </p:ext>
     <p:ext uri="http://customooxmlschemas.google.com/">
-      <go:slidesCustomData xmlns:go="http://customooxmlschemas.google.com/" xmlns:ahyp="http://schemas.microsoft.com/office/drawing/2018/hyperlinkcolor" xmlns:p15="http://schemas.microsoft.com/office/powerpoint/2012/main" xmlns:p14="http://schemas.microsoft.com/office/powerpoint/2010/main" xmlns:com="http://schemas.openxmlformats.org/drawingml/2006/compatibility" xmlns:pvml="urn:schemas-microsoft-com:office:powerpoint" xmlns:v="urn:schemas-microsoft-com:vml" xmlns:o="urn:schemas-microsoft-com:office:office" xmlns:dgm="http://schemas.openxmlformats.org/drawingml/2006/diagram" xmlns:c="http://schemas.openxmlformats.org/drawingml/2006/chart" xmlns:mv="urn:schemas-microsoft-com:mac:vml" xmlns:mc="http://schemas.openxmlformats.org/markup-compatibility/2006" xmlns="" r:id="rId34" roundtripDataSignature="AMtx7mgtC6RReGa0UWk9iwQjmNzrBPMGWQ=="/>
+      <go:slidesCustomData xmlns="" xmlns:mc="http://schemas.openxmlformats.org/markup-compatibility/2006" xmlns:mv="urn:schemas-microsoft-com:mac:vml" xmlns:c="http://schemas.openxmlformats.org/drawingml/2006/chart" xmlns:dgm="http://schemas.openxmlformats.org/drawingml/2006/diagram" xmlns:o="urn:schemas-microsoft-com:office:office" xmlns:v="urn:schemas-microsoft-com:vml" xmlns:pvml="urn:schemas-microsoft-com:office:powerpoint" xmlns:com="http://schemas.openxmlformats.org/drawingml/2006/compatibility" xmlns:p14="http://schemas.microsoft.com/office/powerpoint/2010/main" xmlns:p15="http://schemas.microsoft.com/office/powerpoint/2012/main" xmlns:ahyp="http://schemas.microsoft.com/office/drawing/2018/hyperlinkcolor" xmlns:go="http://customooxmlschemas.google.com/" r:id="rId34" roundtripDataSignature="AMtx7mgtC6RReGa0UWk9iwQjmNzrBPMGWQ=="/>
     </p:ext>
   </p:extLst>
 </p:presentation>
@@ -1631,132 +1630,6 @@
   <p:cSld>
     <p:spTree>
       <p:nvGrpSpPr>
-        <p:cNvPr id="1" name="Shape 162"/>
-        <p:cNvGrpSpPr/>
-        <p:nvPr/>
-      </p:nvGrpSpPr>
-      <p:grpSpPr>
-        <a:xfrm>
-          <a:off x="0" y="0"/>
-          <a:ext cx="0" cy="0"/>
-          <a:chOff x="0" y="0"/>
-          <a:chExt cx="0" cy="0"/>
-        </a:xfrm>
-      </p:grpSpPr>
-      <p:sp>
-        <p:nvSpPr>
-          <p:cNvPr id="163" name="Google Shape;163;g1015af5f028_1_86:notes"/>
-          <p:cNvSpPr>
-            <a:spLocks noGrp="1" noRot="1" noChangeAspect="1"/>
-          </p:cNvSpPr>
-          <p:nvPr>
-            <p:ph type="sldImg" idx="2"/>
-          </p:nvPr>
-        </p:nvSpPr>
-        <p:spPr>
-          <a:xfrm>
-            <a:off x="381000" y="685800"/>
-            <a:ext cx="6096000" cy="3429000"/>
-          </a:xfrm>
-          <a:custGeom>
-            <a:avLst/>
-            <a:gdLst/>
-            <a:ahLst/>
-            <a:cxnLst/>
-            <a:rect l="l" t="t" r="r" b="b"/>
-            <a:pathLst>
-              <a:path w="120000" h="120000" extrusionOk="0">
-                <a:moveTo>
-                  <a:pt x="0" y="0"/>
-                </a:moveTo>
-                <a:lnTo>
-                  <a:pt x="120000" y="0"/>
-                </a:lnTo>
-                <a:lnTo>
-                  <a:pt x="120000" y="120000"/>
-                </a:lnTo>
-                <a:lnTo>
-                  <a:pt x="0" y="120000"/>
-                </a:lnTo>
-                <a:close/>
-              </a:path>
-            </a:pathLst>
-          </a:custGeom>
-          <a:noFill/>
-          <a:ln w="9525" cap="flat" cmpd="sng">
-            <a:solidFill>
-              <a:srgbClr val="000000"/>
-            </a:solidFill>
-            <a:prstDash val="solid"/>
-            <a:round/>
-            <a:headEnd type="none" w="sm" len="sm"/>
-            <a:tailEnd type="none" w="sm" len="sm"/>
-          </a:ln>
-        </p:spPr>
-      </p:sp>
-      <p:sp>
-        <p:nvSpPr>
-          <p:cNvPr id="164" name="Google Shape;164;g1015af5f028_1_86:notes"/>
-          <p:cNvSpPr txBox="1">
-            <a:spLocks noGrp="1"/>
-          </p:cNvSpPr>
-          <p:nvPr>
-            <p:ph type="body" idx="1"/>
-          </p:nvPr>
-        </p:nvSpPr>
-        <p:spPr>
-          <a:xfrm>
-            <a:off x="685800" y="4343400"/>
-            <a:ext cx="5486400" cy="4114800"/>
-          </a:xfrm>
-          <a:prstGeom prst="rect">
-            <a:avLst/>
-          </a:prstGeom>
-          <a:noFill/>
-          <a:ln>
-            <a:noFill/>
-          </a:ln>
-        </p:spPr>
-        <p:txBody>
-          <a:bodyPr spcFirstLastPara="1" wrap="square" lIns="91425" tIns="91425" rIns="91425" bIns="91425" anchor="t" anchorCtr="0">
-            <a:noAutofit/>
-          </a:bodyPr>
-          <a:lstStyle/>
-          <a:p>
-            <a:pPr marL="0" lvl="0" indent="0" algn="l" rtl="0">
-              <a:lnSpc>
-                <a:spcPct val="100000"/>
-              </a:lnSpc>
-              <a:spcBef>
-                <a:spcPts val="0"/>
-              </a:spcBef>
-              <a:spcAft>
-                <a:spcPts val="0"/>
-              </a:spcAft>
-              <a:buClr>
-                <a:schemeClr val="dk1"/>
-              </a:buClr>
-              <a:buSzPts val="1100"/>
-              <a:buFont typeface="Arial"/>
-              <a:buNone/>
-            </a:pPr>
-            <a:endParaRPr/>
-          </a:p>
-        </p:txBody>
-      </p:sp>
-    </p:spTree>
-  </p:cSld>
-  <p:clrMapOvr>
-    <a:masterClrMapping/>
-  </p:clrMapOvr>
-</p:notes>
-</file>
-
-<file path=ppt/notesSlides/notesSlide8.xml><?xml version="1.0" encoding="utf-8"?>
-<p:notes xmlns:a="http://schemas.openxmlformats.org/drawingml/2006/main" xmlns:r="http://schemas.openxmlformats.org/officeDocument/2006/relationships" xmlns:p="http://schemas.openxmlformats.org/presentationml/2006/main" showMasterSp="0" showMasterPhAnim="0">
-  <p:cSld>
-    <p:spTree>
-      <p:nvGrpSpPr>
         <p:cNvPr id="1" name="Shape 168"/>
         <p:cNvGrpSpPr/>
         <p:nvPr/>
@@ -3442,7 +3315,7 @@
         <p:fade/>
       </p:transition>
     </mc:Choice>
-    <mc:Fallback xmlns:ahyp="http://schemas.microsoft.com/office/drawing/2018/hyperlinkcolor" xmlns:p15="http://schemas.microsoft.com/office/powerpoint/2012/main" xmlns:com="http://schemas.openxmlformats.org/drawingml/2006/compatibility" xmlns:pvml="urn:schemas-microsoft-com:office:powerpoint" xmlns:v="urn:schemas-microsoft-com:vml" xmlns:o="urn:schemas-microsoft-com:office:office" xmlns:dgm="http://schemas.openxmlformats.org/drawingml/2006/diagram" xmlns:c="http://schemas.openxmlformats.org/drawingml/2006/chart" xmlns:mv="urn:schemas-microsoft-com:mac:vml" xmlns="">
+    <mc:Fallback xmlns="" xmlns:mv="urn:schemas-microsoft-com:mac:vml" xmlns:c="http://schemas.openxmlformats.org/drawingml/2006/chart" xmlns:dgm="http://schemas.openxmlformats.org/drawingml/2006/diagram" xmlns:o="urn:schemas-microsoft-com:office:office" xmlns:v="urn:schemas-microsoft-com:vml" xmlns:pvml="urn:schemas-microsoft-com:office:powerpoint" xmlns:com="http://schemas.openxmlformats.org/drawingml/2006/compatibility" xmlns:p15="http://schemas.microsoft.com/office/powerpoint/2012/main" xmlns:ahyp="http://schemas.microsoft.com/office/drawing/2018/hyperlinkcolor">
       <p:transition spd="slow">
         <p:fade/>
       </p:transition>
@@ -3618,7 +3491,7 @@
         <p:fade/>
       </p:transition>
     </mc:Choice>
-    <mc:Fallback xmlns:ahyp="http://schemas.microsoft.com/office/drawing/2018/hyperlinkcolor" xmlns:p15="http://schemas.microsoft.com/office/powerpoint/2012/main" xmlns:com="http://schemas.openxmlformats.org/drawingml/2006/compatibility" xmlns:pvml="urn:schemas-microsoft-com:office:powerpoint" xmlns:v="urn:schemas-microsoft-com:vml" xmlns:o="urn:schemas-microsoft-com:office:office" xmlns:dgm="http://schemas.openxmlformats.org/drawingml/2006/diagram" xmlns:c="http://schemas.openxmlformats.org/drawingml/2006/chart" xmlns:mv="urn:schemas-microsoft-com:mac:vml" xmlns="">
+    <mc:Fallback xmlns="" xmlns:mv="urn:schemas-microsoft-com:mac:vml" xmlns:c="http://schemas.openxmlformats.org/drawingml/2006/chart" xmlns:dgm="http://schemas.openxmlformats.org/drawingml/2006/diagram" xmlns:o="urn:schemas-microsoft-com:office:office" xmlns:v="urn:schemas-microsoft-com:vml" xmlns:pvml="urn:schemas-microsoft-com:office:powerpoint" xmlns:com="http://schemas.openxmlformats.org/drawingml/2006/compatibility" xmlns:p15="http://schemas.microsoft.com/office/powerpoint/2012/main" xmlns:ahyp="http://schemas.microsoft.com/office/drawing/2018/hyperlinkcolor">
       <p:transition spd="slow">
         <p:fade/>
       </p:transition>
@@ -3875,7 +3748,7 @@
         <p:fade/>
       </p:transition>
     </mc:Choice>
-    <mc:Fallback xmlns="" xmlns:mv="urn:schemas-microsoft-com:mac:vml" xmlns:c="http://schemas.openxmlformats.org/drawingml/2006/chart" xmlns:dgm="http://schemas.openxmlformats.org/drawingml/2006/diagram" xmlns:o="urn:schemas-microsoft-com:office:office" xmlns:v="urn:schemas-microsoft-com:vml" xmlns:pvml="urn:schemas-microsoft-com:office:powerpoint" xmlns:com="http://schemas.openxmlformats.org/drawingml/2006/compatibility" xmlns:p15="http://schemas.microsoft.com/office/powerpoint/2012/main" xmlns:ahyp="http://schemas.microsoft.com/office/drawing/2018/hyperlinkcolor">
+    <mc:Fallback xmlns:ahyp="http://schemas.microsoft.com/office/drawing/2018/hyperlinkcolor" xmlns:p15="http://schemas.microsoft.com/office/powerpoint/2012/main" xmlns:com="http://schemas.openxmlformats.org/drawingml/2006/compatibility" xmlns:pvml="urn:schemas-microsoft-com:office:powerpoint" xmlns:v="urn:schemas-microsoft-com:vml" xmlns:o="urn:schemas-microsoft-com:office:office" xmlns:dgm="http://schemas.openxmlformats.org/drawingml/2006/diagram" xmlns:c="http://schemas.openxmlformats.org/drawingml/2006/chart" xmlns:mv="urn:schemas-microsoft-com:mac:vml" xmlns="">
       <p:transition spd="slow">
         <p:fade/>
       </p:transition>
@@ -4253,7 +4126,7 @@
         <p:fade/>
       </p:transition>
     </mc:Choice>
-    <mc:Fallback xmlns:ahyp="http://schemas.microsoft.com/office/drawing/2018/hyperlinkcolor" xmlns:p15="http://schemas.microsoft.com/office/powerpoint/2012/main" xmlns:com="http://schemas.openxmlformats.org/drawingml/2006/compatibility" xmlns:pvml="urn:schemas-microsoft-com:office:powerpoint" xmlns:v="urn:schemas-microsoft-com:vml" xmlns:o="urn:schemas-microsoft-com:office:office" xmlns:dgm="http://schemas.openxmlformats.org/drawingml/2006/diagram" xmlns:c="http://schemas.openxmlformats.org/drawingml/2006/chart" xmlns:mv="urn:schemas-microsoft-com:mac:vml" xmlns="">
+    <mc:Fallback xmlns="" xmlns:mv="urn:schemas-microsoft-com:mac:vml" xmlns:c="http://schemas.openxmlformats.org/drawingml/2006/chart" xmlns:dgm="http://schemas.openxmlformats.org/drawingml/2006/diagram" xmlns:o="urn:schemas-microsoft-com:office:office" xmlns:v="urn:schemas-microsoft-com:vml" xmlns:pvml="urn:schemas-microsoft-com:office:powerpoint" xmlns:com="http://schemas.openxmlformats.org/drawingml/2006/compatibility" xmlns:p15="http://schemas.microsoft.com/office/powerpoint/2012/main" xmlns:ahyp="http://schemas.microsoft.com/office/drawing/2018/hyperlinkcolor">
       <p:transition spd="slow">
         <p:fade/>
       </p:transition>
@@ -4714,7 +4587,7 @@
         <p:fade/>
       </p:transition>
     </mc:Choice>
-    <mc:Fallback xmlns:ahyp="http://schemas.microsoft.com/office/drawing/2018/hyperlinkcolor" xmlns:p15="http://schemas.microsoft.com/office/powerpoint/2012/main" xmlns:com="http://schemas.openxmlformats.org/drawingml/2006/compatibility" xmlns:pvml="urn:schemas-microsoft-com:office:powerpoint" xmlns:v="urn:schemas-microsoft-com:vml" xmlns:o="urn:schemas-microsoft-com:office:office" xmlns:dgm="http://schemas.openxmlformats.org/drawingml/2006/diagram" xmlns:c="http://schemas.openxmlformats.org/drawingml/2006/chart" xmlns:mv="urn:schemas-microsoft-com:mac:vml" xmlns="">
+    <mc:Fallback xmlns="" xmlns:mv="urn:schemas-microsoft-com:mac:vml" xmlns:c="http://schemas.openxmlformats.org/drawingml/2006/chart" xmlns:dgm="http://schemas.openxmlformats.org/drawingml/2006/diagram" xmlns:o="urn:schemas-microsoft-com:office:office" xmlns:v="urn:schemas-microsoft-com:vml" xmlns:pvml="urn:schemas-microsoft-com:office:powerpoint" xmlns:com="http://schemas.openxmlformats.org/drawingml/2006/compatibility" xmlns:p15="http://schemas.microsoft.com/office/powerpoint/2012/main" xmlns:ahyp="http://schemas.microsoft.com/office/drawing/2018/hyperlinkcolor">
       <p:transition spd="slow">
         <p:fade/>
       </p:transition>
@@ -4724,260 +4597,6 @@
 </file>
 
 <file path=ppt/slides/slide7.xml><?xml version="1.0" encoding="utf-8"?>
-<p:sld xmlns:a="http://schemas.openxmlformats.org/drawingml/2006/main" xmlns:r="http://schemas.openxmlformats.org/officeDocument/2006/relationships" xmlns:p="http://schemas.openxmlformats.org/presentationml/2006/main">
-  <p:cSld>
-    <p:bg>
-      <p:bgPr>
-        <a:solidFill>
-          <a:srgbClr val="FFFFFF"/>
-        </a:solidFill>
-        <a:effectLst/>
-      </p:bgPr>
-    </p:bg>
-    <p:spTree>
-      <p:nvGrpSpPr>
-        <p:cNvPr id="1" name="Shape 165"/>
-        <p:cNvGrpSpPr/>
-        <p:nvPr/>
-      </p:nvGrpSpPr>
-      <p:grpSpPr>
-        <a:xfrm>
-          <a:off x="0" y="0"/>
-          <a:ext cx="0" cy="0"/>
-          <a:chOff x="0" y="0"/>
-          <a:chExt cx="0" cy="0"/>
-        </a:xfrm>
-      </p:grpSpPr>
-      <p:sp>
-        <p:nvSpPr>
-          <p:cNvPr id="166" name="Google Shape;166;g1015af5f028_1_86"/>
-          <p:cNvSpPr txBox="1"/>
-          <p:nvPr/>
-        </p:nvSpPr>
-        <p:spPr>
-          <a:xfrm>
-            <a:off x="565525" y="636550"/>
-            <a:ext cx="7410300" cy="844500"/>
-          </a:xfrm>
-          <a:prstGeom prst="rect">
-            <a:avLst/>
-          </a:prstGeom>
-          <a:noFill/>
-          <a:ln>
-            <a:noFill/>
-          </a:ln>
-        </p:spPr>
-        <p:txBody>
-          <a:bodyPr spcFirstLastPara="1" wrap="square" lIns="91425" tIns="91425" rIns="91425" bIns="91425" anchor="ctr" anchorCtr="0">
-            <a:noAutofit/>
-          </a:bodyPr>
-          <a:lstStyle/>
-          <a:p>
-            <a:pPr marL="0" marR="0" lvl="0" indent="0" algn="l" rtl="0">
-              <a:lnSpc>
-                <a:spcPct val="115000"/>
-              </a:lnSpc>
-              <a:spcBef>
-                <a:spcPts val="0"/>
-              </a:spcBef>
-              <a:spcAft>
-                <a:spcPts val="0"/>
-              </a:spcAft>
-              <a:buClr>
-                <a:srgbClr val="000000"/>
-              </a:buClr>
-              <a:buSzPts val="3200"/>
-              <a:buFont typeface="Arial"/>
-              <a:buNone/>
-            </a:pPr>
-            <a:r>
-              <a:rPr lang="en-US" sz="4000" b="1" i="0" u="none" strike="noStrike" cap="none">
-                <a:solidFill>
-                  <a:srgbClr val="EE4C4C"/>
-                </a:solidFill>
-                <a:latin typeface="Century Gothic"/>
-                <a:ea typeface="Century Gothic"/>
-                <a:cs typeface="Century Gothic"/>
-                <a:sym typeface="Century Gothic"/>
-              </a:rPr>
-              <a:t>Para saber mais</a:t>
-            </a:r>
-            <a:endParaRPr sz="4000" b="0" i="0" u="none" strike="noStrike" cap="none">
-              <a:solidFill>
-                <a:srgbClr val="EE4C4C"/>
-              </a:solidFill>
-              <a:latin typeface="Century Gothic"/>
-              <a:ea typeface="Century Gothic"/>
-              <a:cs typeface="Century Gothic"/>
-              <a:sym typeface="Century Gothic"/>
-            </a:endParaRPr>
-          </a:p>
-        </p:txBody>
-      </p:sp>
-      <p:sp>
-        <p:nvSpPr>
-          <p:cNvPr id="167" name="Google Shape;167;g1015af5f028_1_86"/>
-          <p:cNvSpPr txBox="1"/>
-          <p:nvPr/>
-        </p:nvSpPr>
-        <p:spPr>
-          <a:xfrm>
-            <a:off x="817675" y="4299000"/>
-            <a:ext cx="6906000" cy="844500"/>
-          </a:xfrm>
-          <a:prstGeom prst="rect">
-            <a:avLst/>
-          </a:prstGeom>
-          <a:noFill/>
-          <a:ln>
-            <a:noFill/>
-          </a:ln>
-        </p:spPr>
-        <p:txBody>
-          <a:bodyPr spcFirstLastPara="1" wrap="square" lIns="91425" tIns="91425" rIns="91425" bIns="91425" anchor="ctr" anchorCtr="0">
-            <a:noAutofit/>
-          </a:bodyPr>
-          <a:lstStyle/>
-          <a:p>
-            <a:pPr marL="76200" marR="0" lvl="0" indent="0" algn="ctr" rtl="0">
-              <a:lnSpc>
-                <a:spcPct val="100000"/>
-              </a:lnSpc>
-              <a:spcBef>
-                <a:spcPts val="0"/>
-              </a:spcBef>
-              <a:spcAft>
-                <a:spcPts val="0"/>
-              </a:spcAft>
-              <a:buClr>
-                <a:schemeClr val="dk1"/>
-              </a:buClr>
-              <a:buSzPts val="1600"/>
-              <a:buFont typeface="Arial"/>
-              <a:buNone/>
-            </a:pPr>
-            <a:r>
-              <a:rPr lang="en-US" sz="2400" b="0" i="0" u="none" strike="noStrike" cap="none" dirty="0">
-                <a:solidFill>
-                  <a:srgbClr val="040A24"/>
-                </a:solidFill>
-                <a:latin typeface="Calibri"/>
-                <a:ea typeface="Calibri"/>
-                <a:cs typeface="Calibri"/>
-                <a:sym typeface="Calibri"/>
-              </a:rPr>
-              <a:t>https://glysns.gitbook.io/java-basico/</a:t>
-            </a:r>
-            <a:endParaRPr sz="2400" b="0" i="0" u="none" strike="noStrike" cap="none" dirty="0">
-              <a:solidFill>
-                <a:srgbClr val="181818"/>
-              </a:solidFill>
-              <a:latin typeface="Calibri"/>
-              <a:ea typeface="Calibri"/>
-              <a:cs typeface="Calibri"/>
-              <a:sym typeface="Calibri"/>
-            </a:endParaRPr>
-          </a:p>
-        </p:txBody>
-      </p:sp>
-      <p:pic>
-        <p:nvPicPr>
-          <p:cNvPr id="1026" name="Picture 2" descr="GitBook Markdown Reference | Markdown Guide">
-            <a:extLst>
-              <a:ext uri="{FF2B5EF4-FFF2-40B4-BE49-F238E27FC236}">
-                <a16:creationId xmlns:a16="http://schemas.microsoft.com/office/drawing/2014/main" id="{312F4949-3413-4716-BA5B-62DA59D11E7D}"/>
-              </a:ext>
-            </a:extLst>
-          </p:cNvPr>
-          <p:cNvPicPr>
-            <a:picLocks noChangeAspect="1" noChangeArrowheads="1"/>
-          </p:cNvPicPr>
-          <p:nvPr/>
-        </p:nvPicPr>
-        <p:blipFill>
-          <a:blip r:embed="rId3">
-            <a:extLst>
-              <a:ext uri="{28A0092B-C50C-407E-A947-70E740481C1C}">
-                <a14:useLocalDpi xmlns:a14="http://schemas.microsoft.com/office/drawing/2010/main" val="0"/>
-              </a:ext>
-            </a:extLst>
-          </a:blip>
-          <a:srcRect/>
-          <a:stretch>
-            <a:fillRect/>
-          </a:stretch>
-        </p:blipFill>
-        <p:spPr bwMode="auto">
-          <a:xfrm>
-            <a:off x="1476471" y="4472977"/>
-            <a:ext cx="440399" cy="440399"/>
-          </a:xfrm>
-          <a:prstGeom prst="rect">
-            <a:avLst/>
-          </a:prstGeom>
-          <a:noFill/>
-          <a:extLst>
-            <a:ext uri="{909E8E84-426E-40DD-AFC4-6F175D3DCCD1}">
-              <a14:hiddenFill xmlns:a14="http://schemas.microsoft.com/office/drawing/2010/main">
-                <a:solidFill>
-                  <a:srgbClr val="FFFFFF"/>
-                </a:solidFill>
-              </a14:hiddenFill>
-            </a:ext>
-          </a:extLst>
-        </p:spPr>
-      </p:pic>
-      <p:pic>
-        <p:nvPicPr>
-          <p:cNvPr id="6" name="Imagem 5">
-            <a:extLst>
-              <a:ext uri="{FF2B5EF4-FFF2-40B4-BE49-F238E27FC236}">
-                <a16:creationId xmlns:a16="http://schemas.microsoft.com/office/drawing/2014/main" id="{94D3DF95-E743-4D38-ABD3-DB682397751B}"/>
-              </a:ext>
-            </a:extLst>
-          </p:cNvPr>
-          <p:cNvPicPr>
-            <a:picLocks noChangeAspect="1"/>
-          </p:cNvPicPr>
-          <p:nvPr/>
-        </p:nvPicPr>
-        <p:blipFill>
-          <a:blip r:embed="rId4"/>
-          <a:stretch>
-            <a:fillRect/>
-          </a:stretch>
-        </p:blipFill>
-        <p:spPr>
-          <a:xfrm>
-            <a:off x="970075" y="1394579"/>
-            <a:ext cx="6127964" cy="2991410"/>
-          </a:xfrm>
-          <a:prstGeom prst="rect">
-            <a:avLst/>
-          </a:prstGeom>
-        </p:spPr>
-      </p:pic>
-    </p:spTree>
-  </p:cSld>
-  <p:clrMapOvr>
-    <a:masterClrMapping/>
-  </p:clrMapOvr>
-  <mc:AlternateContent xmlns:mc="http://schemas.openxmlformats.org/markup-compatibility/2006" xmlns:p14="http://schemas.microsoft.com/office/powerpoint/2010/main">
-    <mc:Choice Requires="p14">
-      <p:transition spd="med" p14:dur="700">
-        <p:fade/>
-      </p:transition>
-    </mc:Choice>
-    <mc:Fallback xmlns:ahyp="http://schemas.microsoft.com/office/drawing/2018/hyperlinkcolor" xmlns:p15="http://schemas.microsoft.com/office/powerpoint/2012/main" xmlns:com="http://schemas.openxmlformats.org/drawingml/2006/compatibility" xmlns:pvml="urn:schemas-microsoft-com:office:powerpoint" xmlns:v="urn:schemas-microsoft-com:vml" xmlns:o="urn:schemas-microsoft-com:office:office" xmlns:dgm="http://schemas.openxmlformats.org/drawingml/2006/diagram" xmlns:c="http://schemas.openxmlformats.org/drawingml/2006/chart" xmlns:mv="urn:schemas-microsoft-com:mac:vml" xmlns="">
-      <p:transition spd="slow">
-        <p:fade/>
-      </p:transition>
-    </mc:Fallback>
-  </mc:AlternateContent>
-</p:sld>
-</file>
-
-<file path=ppt/slides/slide8.xml><?xml version="1.0" encoding="utf-8"?>
 <p:sld xmlns:a="http://schemas.openxmlformats.org/drawingml/2006/main" xmlns:r="http://schemas.openxmlformats.org/officeDocument/2006/relationships" xmlns:p="http://schemas.openxmlformats.org/presentationml/2006/main">
   <p:cSld>
     <p:spTree>
@@ -5330,7 +4949,7 @@
         <p:fade/>
       </p:transition>
     </mc:Choice>
-    <mc:Fallback xmlns:ahyp="http://schemas.microsoft.com/office/drawing/2018/hyperlinkcolor" xmlns:p15="http://schemas.microsoft.com/office/powerpoint/2012/main" xmlns:com="http://schemas.openxmlformats.org/drawingml/2006/compatibility" xmlns:pvml="urn:schemas-microsoft-com:office:powerpoint" xmlns:v="urn:schemas-microsoft-com:vml" xmlns:o="urn:schemas-microsoft-com:office:office" xmlns:dgm="http://schemas.openxmlformats.org/drawingml/2006/diagram" xmlns:c="http://schemas.openxmlformats.org/drawingml/2006/chart" xmlns:mv="urn:schemas-microsoft-com:mac:vml" xmlns="">
+    <mc:Fallback xmlns="" xmlns:mv="urn:schemas-microsoft-com:mac:vml" xmlns:c="http://schemas.openxmlformats.org/drawingml/2006/chart" xmlns:dgm="http://schemas.openxmlformats.org/drawingml/2006/diagram" xmlns:o="urn:schemas-microsoft-com:office:office" xmlns:v="urn:schemas-microsoft-com:vml" xmlns:pvml="urn:schemas-microsoft-com:office:powerpoint" xmlns:com="http://schemas.openxmlformats.org/drawingml/2006/compatibility" xmlns:p15="http://schemas.microsoft.com/office/powerpoint/2012/main" xmlns:ahyp="http://schemas.microsoft.com/office/drawing/2018/hyperlinkcolor">
       <p:transition spd="slow">
         <p:fade/>
       </p:transition>
